--- a/endterm/Báo-Cáo-BTL-Java-Nhóm-2.pptx
+++ b/endterm/Báo-Cáo-BTL-Java-Nhóm-2.pptx
@@ -4087,35 +4087,6 @@
           </a:prstGeom>
         </p:spPr>
       </p:pic>
-      <p:pic>
-        <p:nvPicPr>
-          <p:cNvPr id="10" name="Content Placeholder 9">
-            <a:extLst>
-              <a:ext uri="{FF2B5EF4-FFF2-40B4-BE49-F238E27FC236}">
-                <a16:creationId xmlns:a16="http://schemas.microsoft.com/office/drawing/2014/main" id="{B831568A-BA1A-FAE3-2B1B-CE30887334AB}"/>
-              </a:ext>
-            </a:extLst>
-          </p:cNvPr>
-          <p:cNvPicPr>
-            <a:picLocks noGrp="1" noChangeAspect="1"/>
-          </p:cNvPicPr>
-          <p:nvPr>
-            <p:ph idx="1"/>
-          </p:nvPr>
-        </p:nvPicPr>
-        <p:blipFill>
-          <a:blip r:embed="rId3"/>
-          <a:stretch>
-            <a:fillRect/>
-          </a:stretch>
-        </p:blipFill>
-        <p:spPr>
-          <a:xfrm>
-            <a:off x="837344" y="1690688"/>
-            <a:ext cx="6115623" cy="4351338"/>
-          </a:xfrm>
-        </p:spPr>
-      </p:pic>
       <p:sp>
         <p:nvSpPr>
           <p:cNvPr id="12" name="Tiêu đề 1">
@@ -4190,6 +4161,35 @@
           </a:p>
         </p:txBody>
       </p:sp>
+      <p:pic>
+        <p:nvPicPr>
+          <p:cNvPr id="8" name="Content Placeholder 7">
+            <a:extLst>
+              <a:ext uri="{FF2B5EF4-FFF2-40B4-BE49-F238E27FC236}">
+                <a16:creationId xmlns:a16="http://schemas.microsoft.com/office/drawing/2014/main" id="{FDED1238-49E7-5657-B289-203FECB88C69}"/>
+              </a:ext>
+            </a:extLst>
+          </p:cNvPr>
+          <p:cNvPicPr>
+            <a:picLocks noGrp="1" noChangeAspect="1"/>
+          </p:cNvPicPr>
+          <p:nvPr>
+            <p:ph idx="1"/>
+          </p:nvPr>
+        </p:nvPicPr>
+        <p:blipFill>
+          <a:blip r:embed="rId3"/>
+          <a:stretch>
+            <a:fillRect/>
+          </a:stretch>
+        </p:blipFill>
+        <p:spPr>
+          <a:xfrm>
+            <a:off x="832351" y="1419496"/>
+            <a:ext cx="6247084" cy="5007429"/>
+          </a:xfrm>
+        </p:spPr>
+      </p:pic>
     </p:spTree>
     <p:extLst>
       <p:ext uri="{BB962C8B-B14F-4D97-AF65-F5344CB8AC3E}">
@@ -4862,35 +4862,6 @@
       </p:sp>
       <p:pic>
         <p:nvPicPr>
-          <p:cNvPr id="5" name="Content Placeholder 4">
-            <a:extLst>
-              <a:ext uri="{FF2B5EF4-FFF2-40B4-BE49-F238E27FC236}">
-                <a16:creationId xmlns:a16="http://schemas.microsoft.com/office/drawing/2014/main" id="{84386769-1805-DEBE-C979-CF11F814D02B}"/>
-              </a:ext>
-            </a:extLst>
-          </p:cNvPr>
-          <p:cNvPicPr>
-            <a:picLocks noGrp="1" noChangeAspect="1"/>
-          </p:cNvPicPr>
-          <p:nvPr>
-            <p:ph idx="1"/>
-          </p:nvPr>
-        </p:nvPicPr>
-        <p:blipFill>
-          <a:blip r:embed="rId2"/>
-          <a:stretch>
-            <a:fillRect/>
-          </a:stretch>
-        </p:blipFill>
-        <p:spPr>
-          <a:xfrm>
-            <a:off x="838200" y="1325563"/>
-            <a:ext cx="5210860" cy="5532437"/>
-          </a:xfrm>
-        </p:spPr>
-      </p:pic>
-      <p:pic>
-        <p:nvPicPr>
           <p:cNvPr id="8" name="Picture 7">
             <a:extLst>
               <a:ext uri="{FF2B5EF4-FFF2-40B4-BE49-F238E27FC236}">
@@ -4904,7 +4875,7 @@
           <p:nvPr/>
         </p:nvPicPr>
         <p:blipFill>
-          <a:blip r:embed="rId3"/>
+          <a:blip r:embed="rId2"/>
           <a:stretch>
             <a:fillRect/>
           </a:stretch>
@@ -4934,7 +4905,7 @@
           <p:nvPr/>
         </p:nvPicPr>
         <p:blipFill>
-          <a:blip r:embed="rId4"/>
+          <a:blip r:embed="rId3"/>
           <a:stretch>
             <a:fillRect/>
           </a:stretch>
@@ -4964,7 +4935,7 @@
           <p:nvPr/>
         </p:nvPicPr>
         <p:blipFill>
-          <a:blip r:embed="rId5"/>
+          <a:blip r:embed="rId4"/>
           <a:stretch>
             <a:fillRect/>
           </a:stretch>
@@ -4977,6 +4948,35 @@
           <a:prstGeom prst="rect">
             <a:avLst/>
           </a:prstGeom>
+        </p:spPr>
+      </p:pic>
+      <p:pic>
+        <p:nvPicPr>
+          <p:cNvPr id="6" name="Content Placeholder 5">
+            <a:extLst>
+              <a:ext uri="{FF2B5EF4-FFF2-40B4-BE49-F238E27FC236}">
+                <a16:creationId xmlns:a16="http://schemas.microsoft.com/office/drawing/2014/main" id="{4999364A-C503-BA1F-49D6-C465970E68FD}"/>
+              </a:ext>
+            </a:extLst>
+          </p:cNvPr>
+          <p:cNvPicPr>
+            <a:picLocks noGrp="1" noChangeAspect="1"/>
+          </p:cNvPicPr>
+          <p:nvPr>
+            <p:ph idx="1"/>
+          </p:nvPr>
+        </p:nvPicPr>
+        <p:blipFill>
+          <a:blip r:embed="rId5"/>
+          <a:stretch>
+            <a:fillRect/>
+          </a:stretch>
+        </p:blipFill>
+        <p:spPr>
+          <a:xfrm>
+            <a:off x="1023512" y="1325563"/>
+            <a:ext cx="4993043" cy="5532437"/>
+          </a:xfrm>
         </p:spPr>
       </p:pic>
     </p:spTree>
@@ -5050,10 +5050,10 @@
       </p:sp>
       <p:pic>
         <p:nvPicPr>
-          <p:cNvPr id="10" name="Content Placeholder 9">
-            <a:extLst>
-              <a:ext uri="{FF2B5EF4-FFF2-40B4-BE49-F238E27FC236}">
-                <a16:creationId xmlns:a16="http://schemas.microsoft.com/office/drawing/2014/main" id="{59FA0F3D-7AC0-22D7-BD5A-2C848F00812D}"/>
+          <p:cNvPr id="5" name="Content Placeholder 4">
+            <a:extLst>
+              <a:ext uri="{FF2B5EF4-FFF2-40B4-BE49-F238E27FC236}">
+                <a16:creationId xmlns:a16="http://schemas.microsoft.com/office/drawing/2014/main" id="{C5345003-24F6-5660-97D6-A0A2526A0E02}"/>
               </a:ext>
             </a:extLst>
           </p:cNvPr>
@@ -5072,17 +5072,17 @@
         </p:blipFill>
         <p:spPr>
           <a:xfrm>
-            <a:off x="245192" y="927912"/>
-            <a:ext cx="5192798" cy="5930088"/>
+            <a:off x="441777" y="928642"/>
+            <a:ext cx="5143619" cy="5929358"/>
           </a:xfrm>
         </p:spPr>
       </p:pic>
       <p:pic>
         <p:nvPicPr>
-          <p:cNvPr id="12" name="Picture 11">
-            <a:extLst>
-              <a:ext uri="{FF2B5EF4-FFF2-40B4-BE49-F238E27FC236}">
-                <a16:creationId xmlns:a16="http://schemas.microsoft.com/office/drawing/2014/main" id="{7F6507BF-2D0C-67E2-EBC9-2DE96BDF68E7}"/>
+          <p:cNvPr id="7" name="Picture 6">
+            <a:extLst>
+              <a:ext uri="{FF2B5EF4-FFF2-40B4-BE49-F238E27FC236}">
+                <a16:creationId xmlns:a16="http://schemas.microsoft.com/office/drawing/2014/main" id="{FEBED8E8-565D-8D4E-2D57-4C972C87D19E}"/>
               </a:ext>
             </a:extLst>
           </p:cNvPr>
@@ -5099,8 +5099,8 @@
         </p:blipFill>
         <p:spPr>
           <a:xfrm>
-            <a:off x="5437350" y="927912"/>
-            <a:ext cx="6555588" cy="5929358"/>
+            <a:off x="5585396" y="932038"/>
+            <a:ext cx="6284387" cy="5925962"/>
           </a:xfrm>
           <a:prstGeom prst="rect">
             <a:avLst/>
@@ -5137,12 +5137,51 @@
           <a:chExt cx="0" cy="0"/>
         </a:xfrm>
       </p:grpSpPr>
+      <p:sp>
+        <p:nvSpPr>
+          <p:cNvPr id="10" name="Tiêu đề 1">
+            <a:extLst>
+              <a:ext uri="{FF2B5EF4-FFF2-40B4-BE49-F238E27FC236}">
+                <a16:creationId xmlns:a16="http://schemas.microsoft.com/office/drawing/2014/main" id="{FADE1AE5-007C-67F2-A55D-3F7026F0B1C4}"/>
+              </a:ext>
+            </a:extLst>
+          </p:cNvPr>
+          <p:cNvSpPr>
+            <a:spLocks noGrp="1"/>
+          </p:cNvSpPr>
+          <p:nvPr>
+            <p:ph type="title"/>
+          </p:nvPr>
+        </p:nvSpPr>
+        <p:spPr>
+          <a:xfrm>
+            <a:off x="838200" y="0"/>
+            <a:ext cx="10515600" cy="1024437"/>
+          </a:xfrm>
+        </p:spPr>
+        <p:txBody>
+          <a:bodyPr/>
+          <a:lstStyle/>
+          <a:p>
+            <a:pPr algn="ctr"/>
+            <a:r>
+              <a:rPr lang="en-US" dirty="0" err="1"/>
+              <a:t>Lớp</a:t>
+            </a:r>
+            <a:r>
+              <a:rPr lang="en-US" dirty="0"/>
+              <a:t> Server</a:t>
+            </a:r>
+            <a:endParaRPr lang="en-US" sz="2800" dirty="0"/>
+          </a:p>
+        </p:txBody>
+      </p:sp>
       <p:pic>
         <p:nvPicPr>
-          <p:cNvPr id="4" name="Content Placeholder 3">
-            <a:extLst>
-              <a:ext uri="{FF2B5EF4-FFF2-40B4-BE49-F238E27FC236}">
-                <a16:creationId xmlns:a16="http://schemas.microsoft.com/office/drawing/2014/main" id="{76082FE0-3B59-D879-7799-16BF3AE14CC1}"/>
+          <p:cNvPr id="9" name="Content Placeholder 8">
+            <a:extLst>
+              <a:ext uri="{FF2B5EF4-FFF2-40B4-BE49-F238E27FC236}">
+                <a16:creationId xmlns:a16="http://schemas.microsoft.com/office/drawing/2014/main" id="{579D8FF1-7E66-A464-19DB-AF6A3F45D6D7}"/>
               </a:ext>
             </a:extLst>
           </p:cNvPr>
@@ -5161,56 +5200,17 @@
         </p:blipFill>
         <p:spPr>
           <a:xfrm>
-            <a:off x="446313" y="1024437"/>
-            <a:ext cx="5788283" cy="5833563"/>
+            <a:off x="838200" y="1027368"/>
+            <a:ext cx="5424616" cy="5830632"/>
           </a:xfrm>
         </p:spPr>
       </p:pic>
-      <p:sp>
-        <p:nvSpPr>
-          <p:cNvPr id="10" name="Tiêu đề 1">
-            <a:extLst>
-              <a:ext uri="{FF2B5EF4-FFF2-40B4-BE49-F238E27FC236}">
-                <a16:creationId xmlns:a16="http://schemas.microsoft.com/office/drawing/2014/main" id="{FADE1AE5-007C-67F2-A55D-3F7026F0B1C4}"/>
-              </a:ext>
-            </a:extLst>
-          </p:cNvPr>
-          <p:cNvSpPr>
-            <a:spLocks noGrp="1"/>
-          </p:cNvSpPr>
-          <p:nvPr>
-            <p:ph type="title"/>
-          </p:nvPr>
-        </p:nvSpPr>
-        <p:spPr>
-          <a:xfrm>
-            <a:off x="838200" y="0"/>
-            <a:ext cx="10515600" cy="1024437"/>
-          </a:xfrm>
-        </p:spPr>
-        <p:txBody>
-          <a:bodyPr/>
-          <a:lstStyle/>
-          <a:p>
-            <a:pPr algn="ctr"/>
-            <a:r>
-              <a:rPr lang="en-US" dirty="0" err="1"/>
-              <a:t>Lớp</a:t>
-            </a:r>
-            <a:r>
-              <a:rPr lang="en-US" dirty="0"/>
-              <a:t> Server</a:t>
-            </a:r>
-            <a:endParaRPr lang="en-US" sz="2800" dirty="0"/>
-          </a:p>
-        </p:txBody>
-      </p:sp>
       <p:pic>
         <p:nvPicPr>
-          <p:cNvPr id="8" name="Picture 7">
-            <a:extLst>
-              <a:ext uri="{FF2B5EF4-FFF2-40B4-BE49-F238E27FC236}">
-                <a16:creationId xmlns:a16="http://schemas.microsoft.com/office/drawing/2014/main" id="{075615A2-C9B3-D722-1589-AFD357ABE717}"/>
+          <p:cNvPr id="12" name="Picture 11">
+            <a:extLst>
+              <a:ext uri="{FF2B5EF4-FFF2-40B4-BE49-F238E27FC236}">
+                <a16:creationId xmlns:a16="http://schemas.microsoft.com/office/drawing/2014/main" id="{4A11BBBC-C419-5D26-252D-C184794967A4}"/>
               </a:ext>
             </a:extLst>
           </p:cNvPr>
@@ -5227,8 +5227,8 @@
         </p:blipFill>
         <p:spPr>
           <a:xfrm>
-            <a:off x="6234596" y="1027368"/>
-            <a:ext cx="5406586" cy="5830632"/>
+            <a:off x="6262815" y="1024437"/>
+            <a:ext cx="5477591" cy="5833563"/>
           </a:xfrm>
           <a:prstGeom prst="rect">
             <a:avLst/>
@@ -6425,20 +6425,61 @@
               <a:rPr lang="vi-VN" dirty="0">
                 <a:latin typeface="+mj-lt"/>
               </a:rPr>
-              <a:t>Truyền tệp qua </a:t>
+              <a:t>Truyền tệp </a:t>
+            </a:r>
+            <a:r>
+              <a:rPr lang="en-US" dirty="0" err="1">
+                <a:latin typeface="+mj-lt"/>
+              </a:rPr>
+              <a:t>đến</a:t>
             </a:r>
             <a:r>
               <a:rPr lang="en-US" dirty="0">
-                <a:latin typeface="Times New Roman" panose="02020603050405020304" pitchFamily="18" charset="0"/>
-                <a:cs typeface="Times New Roman" panose="02020603050405020304" pitchFamily="18" charset="0"/>
+                <a:latin typeface="+mj-lt"/>
               </a:rPr>
-              <a:t>IP</a:t>
+              <a:t> </a:t>
+            </a:r>
+            <a:r>
+              <a:rPr lang="en-US" dirty="0" err="1">
+                <a:latin typeface="+mj-lt"/>
+              </a:rPr>
+              <a:t>các</a:t>
+            </a:r>
+            <a:r>
+              <a:rPr lang="en-US" dirty="0">
+                <a:latin typeface="+mj-lt"/>
+              </a:rPr>
+              <a:t> </a:t>
+            </a:r>
+            <a:r>
+              <a:rPr lang="en-US" dirty="0" err="1">
+                <a:latin typeface="+mj-lt"/>
+              </a:rPr>
+              <a:t>máy</a:t>
+            </a:r>
+            <a:r>
+              <a:rPr lang="en-US" dirty="0">
+                <a:latin typeface="+mj-lt"/>
+              </a:rPr>
+              <a:t> </a:t>
+            </a:r>
+            <a:r>
+              <a:rPr lang="en-US" dirty="0" err="1">
+                <a:latin typeface="+mj-lt"/>
+              </a:rPr>
+              <a:t>trong</a:t>
+            </a:r>
+            <a:r>
+              <a:rPr lang="en-US" dirty="0">
+                <a:latin typeface="+mj-lt"/>
+              </a:rPr>
+              <a:t> LAN </a:t>
             </a:r>
             <a:r>
               <a:rPr lang="vi-VN" dirty="0">
                 <a:latin typeface="+mj-lt"/>
               </a:rPr>
-              <a:t> bằng phương thức UDP</a:t>
+              <a:t>bằng phương thức UDP</a:t>
             </a:r>
           </a:p>
           <a:p>
@@ -8476,18 +8517,18 @@
 </file>
 
 <file path=customXml/item1.xml><?xml version="1.0" encoding="utf-8"?>
-<p:properties xmlns:p="http://schemas.microsoft.com/office/2006/metadata/properties" xmlns:xsi="http://www.w3.org/2001/XMLSchema-instance" xmlns:pc="http://schemas.microsoft.com/office/infopath/2007/PartnerControls">
-  <documentManagement/>
-</p:properties>
-</file>
-
-<file path=customXml/item2.xml><?xml version="1.0" encoding="utf-8"?>
 <?mso-contentType ?>
 <FormTemplates xmlns="http://schemas.microsoft.com/sharepoint/v3/contenttype/forms">
   <Display>DocumentLibraryForm</Display>
   <Edit>DocumentLibraryForm</Edit>
   <New>DocumentLibraryForm</New>
 </FormTemplates>
+</file>
+
+<file path=customXml/item2.xml><?xml version="1.0" encoding="utf-8"?>
+<p:properties xmlns:p="http://schemas.microsoft.com/office/2006/metadata/properties" xmlns:xsi="http://www.w3.org/2001/XMLSchema-instance" xmlns:pc="http://schemas.microsoft.com/office/infopath/2007/PartnerControls">
+  <documentManagement/>
+</p:properties>
 </file>
 
 <file path=customXml/item3.xml><?xml version="1.0" encoding="utf-8"?>
@@ -8680,6 +8721,14 @@
 </file>
 
 <file path=customXml/itemProps1.xml><?xml version="1.0" encoding="utf-8"?>
+<ds:datastoreItem xmlns:ds="http://schemas.openxmlformats.org/officeDocument/2006/customXml" ds:itemID="{A735D540-5696-447E-A5C5-077023BD2B60}">
+  <ds:schemaRefs>
+    <ds:schemaRef ds:uri="http://schemas.microsoft.com/sharepoint/v3/contenttype/forms"/>
+  </ds:schemaRefs>
+</ds:datastoreItem>
+</file>
+
+<file path=customXml/itemProps2.xml><?xml version="1.0" encoding="utf-8"?>
 <ds:datastoreItem xmlns:ds="http://schemas.openxmlformats.org/officeDocument/2006/customXml" ds:itemID="{3F246B61-FBBD-44AC-A496-68509D172DF7}">
   <ds:schemaRefs>
     <ds:schemaRef ds:uri="http://purl.org/dc/elements/1.1/"/>
@@ -8692,14 +8741,6 @@
     <ds:schemaRef ds:uri="http://schemas.microsoft.com/office/infopath/2007/PartnerControls"/>
     <ds:schemaRef ds:uri="http://schemas.openxmlformats.org/package/2006/metadata/core-properties"/>
     <ds:schemaRef ds:uri="64a1fb29-1fe7-44d5-aa15-92fe3b9bef35"/>
-  </ds:schemaRefs>
-</ds:datastoreItem>
-</file>
-
-<file path=customXml/itemProps2.xml><?xml version="1.0" encoding="utf-8"?>
-<ds:datastoreItem xmlns:ds="http://schemas.openxmlformats.org/officeDocument/2006/customXml" ds:itemID="{A735D540-5696-447E-A5C5-077023BD2B60}">
-  <ds:schemaRefs>
-    <ds:schemaRef ds:uri="http://schemas.microsoft.com/sharepoint/v3/contenttype/forms"/>
   </ds:schemaRefs>
 </ds:datastoreItem>
 </file>
